--- a/sessions/4-read-data.pptx
+++ b/sessions/4-read-data.pptx
@@ -4540,7 +4540,7 @@
             </a:r>
             <a:r>
               <a:rPr/>
-              <a:t> for a file in the directory above the current working directory)</a:t>
+              <a:t> if you need to go above the current working directory)</a:t>
             </a:r>
           </a:p>
           <a:p>
@@ -4623,7 +4623,97 @@
             </a:pPr>
             <a:r>
               <a:rPr/>
-              <a:t>Tibble</a:t>
+              <a:t>data</a:t>
+            </a:r>
+            <a:r>
+              <a:rPr/>
+              <a:t> </a:t>
+            </a:r>
+            <a:r>
+              <a:rPr/>
+              <a:t>is</a:t>
+            </a:r>
+            <a:r>
+              <a:rPr/>
+              <a:t> </a:t>
+            </a:r>
+            <a:r>
+              <a:rPr/>
+              <a:t>imported</a:t>
+            </a:r>
+            <a:r>
+              <a:rPr/>
+              <a:t> </a:t>
+            </a:r>
+            <a:r>
+              <a:rPr/>
+              <a:t>as</a:t>
+            </a:r>
+            <a:r>
+              <a:rPr/>
+              <a:t> </a:t>
+            </a:r>
+            <a:r>
+              <a:rPr/>
+              <a:t>a</a:t>
+            </a:r>
+            <a:r>
+              <a:rPr/>
+              <a:t> </a:t>
+            </a:r>
+            <a:r>
+              <a:rPr sz="1800">
+                <a:latin typeface="Courier"/>
+              </a:rPr>
+              <a:t>tibble</a:t>
+            </a:r>
+            <a:r>
+              <a:rPr/>
+              <a:t> </a:t>
+            </a:r>
+            <a:r>
+              <a:rPr/>
+              <a:t>-</a:t>
+            </a:r>
+            <a:r>
+              <a:rPr/>
+              <a:t> </a:t>
+            </a:r>
+            <a:r>
+              <a:rPr/>
+              <a:t>a</a:t>
+            </a:r>
+            <a:r>
+              <a:rPr/>
+              <a:t> </a:t>
+            </a:r>
+            <a:r>
+              <a:rPr/>
+              <a:t>special</a:t>
+            </a:r>
+            <a:r>
+              <a:rPr/>
+              <a:t> </a:t>
+            </a:r>
+            <a:r>
+              <a:rPr/>
+              <a:t>type</a:t>
+            </a:r>
+            <a:r>
+              <a:rPr/>
+              <a:t> </a:t>
+            </a:r>
+            <a:r>
+              <a:rPr/>
+              <a:t>of</a:t>
+            </a:r>
+            <a:r>
+              <a:rPr/>
+              <a:t> </a:t>
+            </a:r>
+            <a:r>
+              <a:rPr/>
+              <a:t>dataframe</a:t>
             </a:r>
           </a:p>
         </p:txBody>
@@ -4716,80 +4806,98 @@
               <a:t> </a:t>
             </a:r>
             <a:r>
-              <a:rPr/>
-              <a:t>specially</a:t>
-            </a:r>
-            <a:r>
-              <a:rPr/>
-              <a:t> </a:t>
-            </a:r>
-            <a:r>
-              <a:rPr/>
-              <a:t>formatted</a:t>
-            </a:r>
-            <a:r>
-              <a:rPr/>
-              <a:t> </a:t>
-            </a:r>
-            <a:r>
-              <a:rPr/>
-              <a:t>data</a:t>
-            </a:r>
-            <a:r>
-              <a:rPr/>
-              <a:t> </a:t>
-            </a:r>
-            <a:r>
-              <a:rPr/>
-              <a:t>frame.</a:t>
-            </a:r>
-            <a:r>
-              <a:rPr/>
-              <a:t> </a:t>
-            </a:r>
-            <a:r>
-              <a:rPr/>
-              <a:t>Your</a:t>
-            </a:r>
-            <a:r>
-              <a:rPr/>
-              <a:t> </a:t>
-            </a:r>
-            <a:r>
-              <a:rPr/>
-              <a:t>data</a:t>
-            </a:r>
-            <a:r>
-              <a:rPr/>
-              <a:t> </a:t>
-            </a:r>
-            <a:r>
-              <a:rPr/>
-              <a:t>has</a:t>
-            </a:r>
-            <a:r>
-              <a:rPr/>
-              <a:t> </a:t>
-            </a:r>
-            <a:r>
-              <a:rPr/>
-              <a:t>been</a:t>
-            </a:r>
-            <a:r>
-              <a:rPr/>
-              <a:t> </a:t>
-            </a:r>
-            <a:r>
-              <a:rPr/>
-              <a:t>imported</a:t>
-            </a:r>
-            <a:r>
-              <a:rPr/>
-              <a:t> </a:t>
-            </a:r>
-            <a:r>
-              <a:rPr/>
-              <a:t>in</a:t>
+              <a:rPr sz="1800">
+                <a:latin typeface="Courier"/>
+              </a:rPr>
+              <a:t>tidyverse</a:t>
+            </a:r>
+            <a:r>
+              <a:rPr/>
+              <a:t> </a:t>
+            </a:r>
+            <a:r>
+              <a:rPr/>
+              <a:t>friendly</a:t>
+            </a:r>
+            <a:r>
+              <a:rPr/>
+              <a:t> </a:t>
+            </a:r>
+            <a:r>
+              <a:rPr/>
+              <a:t>dataframe</a:t>
+            </a:r>
+            <a:r>
+              <a:rPr/>
+              <a:t> </a:t>
+            </a:r>
+            <a:r>
+              <a:rPr/>
+              <a:t>-</a:t>
+            </a:r>
+            <a:r>
+              <a:rPr/>
+              <a:t> </a:t>
+            </a:r>
+            <a:r>
+              <a:rPr/>
+              <a:t>we</a:t>
+            </a:r>
+            <a:r>
+              <a:rPr/>
+              <a:t> </a:t>
+            </a:r>
+            <a:r>
+              <a:rPr/>
+              <a:t>don’t</a:t>
+            </a:r>
+            <a:r>
+              <a:rPr/>
+              <a:t> </a:t>
+            </a:r>
+            <a:r>
+              <a:rPr/>
+              <a:t>need</a:t>
+            </a:r>
+            <a:r>
+              <a:rPr/>
+              <a:t> </a:t>
+            </a:r>
+            <a:r>
+              <a:rPr/>
+              <a:t>to</a:t>
+            </a:r>
+            <a:r>
+              <a:rPr/>
+              <a:t> </a:t>
+            </a:r>
+            <a:r>
+              <a:rPr/>
+              <a:t>worry</a:t>
+            </a:r>
+            <a:r>
+              <a:rPr/>
+              <a:t> </a:t>
+            </a:r>
+            <a:r>
+              <a:rPr/>
+              <a:t>about</a:t>
+            </a:r>
+            <a:r>
+              <a:rPr/>
+              <a:t> </a:t>
+            </a:r>
+            <a:r>
+              <a:rPr/>
+              <a:t>that</a:t>
+            </a:r>
+            <a:r>
+              <a:rPr/>
+              <a:t> </a:t>
+            </a:r>
+            <a:r>
+              <a:rPr/>
+              <a:t>at</a:t>
             </a:r>
             <a:r>
               <a:rPr/>
@@ -4805,7 +4913,7 @@
             </a:r>
             <a:r>
               <a:rPr/>
-              <a:t>format.</a:t>
+              <a:t>stage.</a:t>
             </a:r>
           </a:p>
         </p:txBody>
@@ -6218,7 +6326,7 @@
             <a:pPr lvl="1"/>
             <a:r>
               <a:rPr/>
-              <a:t>Specific functions from other packages can help you describe the whole data set</a:t>
+              <a:t>Specific functions from other packages can help you describe datasets</a:t>
             </a:r>
           </a:p>
           <a:p>
@@ -6291,7 +6399,7 @@
             <a:pPr lvl="1"/>
             <a:r>
               <a:rPr/>
-              <a:t>try :</a:t>
+              <a:t>try with &amp; without :</a:t>
             </a:r>
           </a:p>
           <a:p>

--- a/sessions/4-read-data.pptx
+++ b/sessions/4-read-data.pptx
@@ -6567,11 +6567,11 @@
               <a:rPr sz="1800">
                 <a:latin typeface="Courier"/>
               </a:rPr>
-              <a:t>discharge</a:t>
-            </a:r>
-            <a:r>
-              <a:rPr/>
-              <a:t> vector from in </a:t>
+              <a:t>discharge_dttm</a:t>
+            </a:r>
+            <a:r>
+              <a:rPr/>
+              <a:t> vector from </a:t>
             </a:r>
             <a:r>
               <a:rPr sz="1800">
@@ -6847,7 +6847,7 @@
               <a:rPr sz="1800">
                 <a:latin typeface="Courier"/>
               </a:rPr>
-              <a:t>discharge</a:t>
+              <a:t>discharge_dttm</a:t>
             </a:r>
             <a:r>
               <a:rPr/>
@@ -6887,7 +6887,7 @@
               <a:rPr sz="1800">
                 <a:latin typeface="Courier"/>
               </a:rPr>
-              <a:t>discharge</a:t>
+              <a:t>discharge_dttm</a:t>
             </a:r>
           </a:p>
         </p:txBody>

--- a/sessions/4-read-data.pptx
+++ b/sessions/4-read-data.pptx
@@ -3768,7 +3768,7 @@
       </p:sp>
       <p:pic>
         <p:nvPicPr>
-          <p:cNvPr descr="../Images/Point%20and%20click.png" id="0" name="Picture 1"/>
+          <p:cNvPr descr="../images/Point%20and%20click.png" id="0" name="Picture 1"/>
           <p:cNvPicPr>
             <a:picLocks noGrp="1" noChangeAspect="1"/>
           </p:cNvPicPr>
@@ -3855,7 +3855,7 @@
       </p:sp>
       <p:pic>
         <p:nvPicPr>
-          <p:cNvPr descr="../Images/ImportDataset1.png" id="0" name="Picture 1"/>
+          <p:cNvPr descr="../images/ImportDataset1.png" id="0" name="Picture 1"/>
           <p:cNvPicPr>
             <a:picLocks noGrp="1" noChangeAspect="1"/>
           </p:cNvPicPr>
@@ -4006,7 +4006,7 @@
       </p:sp>
       <p:pic>
         <p:nvPicPr>
-          <p:cNvPr descr="../Images/ImportDataset2.png" id="0" name="Picture 1"/>
+          <p:cNvPr descr="../images/ImportDataset2.png" id="0" name="Picture 1"/>
           <p:cNvPicPr>
             <a:picLocks noGrp="1" noChangeAspect="1"/>
           </p:cNvPicPr>
@@ -4171,7 +4171,7 @@
       </p:sp>
       <p:pic>
         <p:nvPicPr>
-          <p:cNvPr descr="../Images/ImportingDataset3.png" id="0" name="Picture 1"/>
+          <p:cNvPr descr="../images/ImportingDataset3.png" id="0" name="Picture 1"/>
           <p:cNvPicPr>
             <a:picLocks noGrp="1" noChangeAspect="1"/>
           </p:cNvPicPr>
@@ -4720,7 +4720,7 @@
       </p:sp>
       <p:pic>
         <p:nvPicPr>
-          <p:cNvPr descr="../Images/Tibble.png" id="0" name="Picture 1"/>
+          <p:cNvPr descr="../images/Tibble.png" id="0" name="Picture 1"/>
           <p:cNvPicPr>
             <a:picLocks noGrp="1" noChangeAspect="1"/>
           </p:cNvPicPr>
@@ -5083,7 +5083,7 @@
       </p:sp>
       <p:pic>
         <p:nvPicPr>
-          <p:cNvPr descr="../Images/View(cchic).png" id="0" name="Picture 1"/>
+          <p:cNvPr descr="../images/View(cchic).png" id="0" name="Picture 1"/>
           <p:cNvPicPr>
             <a:picLocks noGrp="1" noChangeAspect="1"/>
           </p:cNvPicPr>
@@ -7724,7 +7724,7 @@
       </p:sp>
       <p:pic>
         <p:nvPicPr>
-          <p:cNvPr descr="../Images/UnformattedCSV.png" id="0" name="Picture 1"/>
+          <p:cNvPr descr="../images/UnformattedCSV.png" id="0" name="Picture 1"/>
           <p:cNvPicPr>
             <a:picLocks noGrp="1" noChangeAspect="1"/>
           </p:cNvPicPr>
@@ -8127,7 +8127,7 @@
       </p:sp>
       <p:pic>
         <p:nvPicPr>
-          <p:cNvPr descr="../Images/FileProperties.png" id="0" name="Picture 1"/>
+          <p:cNvPr descr="../images/FileProperties.png" id="0" name="Picture 1"/>
           <p:cNvPicPr>
             <a:picLocks noGrp="1" noChangeAspect="1"/>
           </p:cNvPicPr>
@@ -8347,7 +8347,7 @@
       </p:sp>
       <p:pic>
         <p:nvPicPr>
-          <p:cNvPr descr="../Images/Setwd.png" id="0" name="Picture 1"/>
+          <p:cNvPr descr="../images/Setwd.png" id="0" name="Picture 1"/>
           <p:cNvPicPr>
             <a:picLocks noGrp="1" noChangeAspect="1"/>
           </p:cNvPicPr>
